--- a/Phase 2/NextGen Talent Management Suite Presentation 2.pptx
+++ b/Phase 2/NextGen Talent Management Suite Presentation 2.pptx
@@ -112,7 +112,68 @@
       </a:defRPr>
     </a:lvl9pPr>
   </p:defaultTextStyle>
+  <p:extLst>
+    <p:ext uri="{EFAFB233-063F-42B5-8137-9DF3F51BA10A}">
+      <p15:sldGuideLst xmlns:p15="http://schemas.microsoft.com/office/powerpoint/2012/main"/>
+    </p:ext>
+  </p:extLst>
 </p:presentation>
+</file>
+
+<file path=ppt/ink/ink1.xml><?xml version="1.0" encoding="utf-8"?>
+<inkml:ink xmlns:inkml="http://www.w3.org/2003/InkML">
+  <inkml:definitions>
+    <inkml:context xml:id="ctx0">
+      <inkml:inkSource xml:id="inkSrc0">
+        <inkml:traceFormat>
+          <inkml:channel name="X" type="integer" min="-2.14748E9" max="2.14748E9" units="cm"/>
+          <inkml:channel name="Y" type="integer" min="-2.14748E9" max="2.14748E9" units="cm"/>
+          <inkml:channel name="F" type="integer" max="32767" units="dev"/>
+        </inkml:traceFormat>
+        <inkml:channelProperties>
+          <inkml:channelProperty channel="X" name="resolution" value="1000" units="1/cm"/>
+          <inkml:channelProperty channel="Y" name="resolution" value="1000" units="1/cm"/>
+          <inkml:channelProperty channel="F" name="resolution" value="0" units="1/dev"/>
+        </inkml:channelProperties>
+      </inkml:inkSource>
+      <inkml:timestamp xml:id="ts0" timeString="2024-04-24T01:52:53.258"/>
+    </inkml:context>
+    <inkml:brush xml:id="br0">
+      <inkml:brushProperty name="width" value="0.035" units="cm"/>
+      <inkml:brushProperty name="height" value="0.035" units="cm"/>
+      <inkml:brushProperty name="color" value="#FFFFFF"/>
+    </inkml:brush>
+  </inkml:definitions>
+  <inkml:trace contextRef="#ctx0" brushRef="#br0">486 2 24575,'121'-1'0,"-1"5"0,1 6 0,173 36 0,-219-27 0,144 34 0,260 29 0,-260-64 0,274-14 0,-484-3 0,-27 4 0,-35 5 0,-147 10 0,-344-9 0,516-12 0,-1058-88 0,580 33 0,474 53 0,-15-2 0,-57 2 0,87 6 0,23 2 0,33 3 0,431 5-368,-380-13-629,-18 0-5829</inkml:trace>
+</inkml:ink>
+</file>
+
+<file path=ppt/ink/ink2.xml><?xml version="1.0" encoding="utf-8"?>
+<inkml:ink xmlns:inkml="http://www.w3.org/2003/InkML">
+  <inkml:definitions>
+    <inkml:context xml:id="ctx0">
+      <inkml:inkSource xml:id="inkSrc0">
+        <inkml:traceFormat>
+          <inkml:channel name="X" type="integer" min="-2.14748E9" max="2.14748E9" units="cm"/>
+          <inkml:channel name="Y" type="integer" min="-2.14748E9" max="2.14748E9" units="cm"/>
+          <inkml:channel name="F" type="integer" max="32767" units="dev"/>
+        </inkml:traceFormat>
+        <inkml:channelProperties>
+          <inkml:channelProperty channel="X" name="resolution" value="1000" units="1/cm"/>
+          <inkml:channelProperty channel="Y" name="resolution" value="1000" units="1/cm"/>
+          <inkml:channelProperty channel="F" name="resolution" value="0" units="1/dev"/>
+        </inkml:channelProperties>
+      </inkml:inkSource>
+      <inkml:timestamp xml:id="ts0" timeString="2024-04-24T01:53:07.065"/>
+    </inkml:context>
+    <inkml:brush xml:id="br0">
+      <inkml:brushProperty name="width" value="0.35" units="cm"/>
+      <inkml:brushProperty name="height" value="0.35" units="cm"/>
+      <inkml:brushProperty name="color" value="#FFFFFF"/>
+    </inkml:brush>
+  </inkml:definitions>
+  <inkml:trace contextRef="#ctx0" brushRef="#br0">618 0 24575,'3'1'0,"1"0"0,-1 0 0,0 0 0,1 1 0,-1-1 0,0 1 0,0-1 0,0 1 0,3 3 0,19 9 0,89 24 0,175 35 0,-204-54 0,760 139 0,5-44 0,-837-112 0,830 81 0,-789-77 0,-44-1 0,-14 0 0,-6-2 0,-1 1 0,0-1 0,0-1 0,0 0 0,0-1 0,0 0 0,-15-1 0,-5 2 0,-1142 2-131,1163-4 124,-1361-83-686,1294 70 693,57 3 0,19-1 0,3 9 0,0-1 0,0 1 0,1 0 0,-1 0 0,1 0 0,-1 0 0,1 1 0,0-1 0,4-1 0,72-31 272,2 4 1,156-36-1,-203 58-258,111-24-14,3 6 0,152-6 0,296 18 0,-571 13 0,-17 1 0,0-1 0,0 1 0,0 0 0,0 1 0,0 0 0,0 0 0,0 1 0,0 0 0,14 5 0,-22-6 0,1-1 0,-1 0 0,1 0 0,-1 1 0,1-1 0,-1 1 0,0-1 0,1 0 0,-1 1 0,1-1 0,-1 1 0,0-1 0,1 1 0,-1-1 0,0 1 0,0 0 0,0-1 0,1 1 0,-1-1 0,0 1 0,0-1 0,0 1 0,0 0 0,0-1 0,0 1 0,0-1 0,0 1 0,0 0 0,0-1 0,0 1 0,-1-1 0,1 1 0,0-1 0,0 1 0,0-1 0,-1 1 0,1-1 0,0 1 0,-1-1 0,1 1 0,-1 0 0,-8 8 0,-1-1 0,1 0 0,-1 0 0,-1-1 0,1-1 0,-1 1 0,-1-2 0,-17 7 0,15-5 0,-124 48 0,-257 68 0,75-28 0,273-77 0,0 2 0,1 2 0,-76 49 0,-114 102 0,189-137 0,-15 11 0,3 2 0,1 3 0,3 3 0,-52 67 0,100-113 0,0 1 0,1 0 0,0 0 0,-6 14 0,11-23 0,1 0 0,-1 1 0,1-1 0,-1 0 0,1 0 0,-1 0 0,1 1 0,0-1 0,0 0 0,-1 0 0,1 1 0,0-1 0,0 0 0,0 0 0,0 1 0,1-1 0,-1 0 0,0 0 0,0 1 0,1-1 0,-1 0 0,1 0 0,-1 0 0,1 1 0,0-1 0,-1 0 0,1 0 0,0 0 0,0 0 0,-1 0 0,1 0 0,0 0 0,0-1 0,0 1 0,0 0 0,0 0 0,1-1 0,-1 1 0,0-1 0,0 1 0,0-1 0,0 1 0,1-1 0,-1 0 0,0 0 0,0 1 0,1-1 0,-1 0 0,0 0 0,3-1 0,6 1 0,0-1 0,0 0 0,0-1 0,0 0 0,0-1 0,-1 0 0,1 0 0,-1-1 0,1 0 0,-1-1 0,-1 0 0,1 0 0,8-7 0,11-10 0,-1 0 0,35-39 0,-35 32 0,-1-1 0,-1-1 0,-2-2 0,-2 0 0,0-1 0,-3-1 0,24-60 0,-34 72 0,-1 0 0,-1 0 0,-1 0 0,-2-1 0,0 0 0,-1 0 0,-1 0 0,-1 0 0,-2 0 0,0 1 0,-1-1 0,-2 0 0,-13-41 0,8 39 0,-2 0 0,-1 1 0,-1 1 0,-1 0 0,-1 1 0,-1 1 0,-1 0 0,0 1 0,-2 1 0,-1 1 0,0 1 0,-1 1 0,-1 1 0,-1 1 0,0 0 0,-1 2 0,0 1 0,-1 1 0,0 2 0,-1 0 0,0 2 0,-1 0 0,1 2 0,-1 2 0,0 0 0,0 2 0,0 0 0,-39 6 0,1 3 0,-101 27 0,136-27 0,0 2 0,1 1 0,0 2 0,1 1 0,-37 24 0,56-31 0,1 1 0,0 0 0,0 0 0,1 1 0,0 0 0,1 1 0,0 0 0,0 0 0,1 0 0,1 1 0,0 0 0,0 0 0,1 0 0,0 1 0,-3 17 0,-1 17 0,2 1 0,0 79 0,3-39 0,-44 215 0,28-206 0,-8 116 0,26 27 0,1-222 0,8-40 0,1-27 0,0-24 0,4 2 0,22-72 0,56-136 0,-28 46 0,-55 201 0,-7 27 0,1 0 0,0 1 0,1-1 0,-1 1 0,1 0 0,0 0 0,1 0 0,-1 0 0,1 0 0,0 1 0,0 0 0,1 0 0,-1 0 0,1 0 0,-1 1 0,1-1 0,1 1 0,-1 0 0,7-2 0,-7 3 0,0 0 0,0 0 0,0 1 0,0-1 0,0 1 0,0 0 0,0 1 0,0 0 0,0-1 0,1 1 0,-1 1 0,0-1 0,0 1 0,0 0 0,0 0 0,0 1 0,0-1 0,0 1 0,0 0 0,-1 1 0,1-1 0,4 4 0,5 6 0,-2 0 0,18 21 0,-18-18 0,1-1 0,24 21 0,-33-32 0,0 0 0,1 0 0,-1 0 0,1-1 0,-1 0 0,1 1 0,0-2 0,0 1 0,0 0 0,0-1 0,0 0 0,0 0 0,0-1 0,7 1 0,-10-1 0,1 0 0,-1-1 0,1 1 0,-1-1 0,0 1 0,1-1 0,-1 0 0,0 0 0,1 0 0,-1 0 0,0 0 0,0-1 0,0 1 0,0-1 0,0 1 0,0-1 0,0 0 0,-1 1 0,1-1 0,-1 0 0,1 0 0,-1 0 0,0-1 0,1 1 0,-1 0 0,1-4 0,2-6 0,-1 0 0,0-1 0,-1 1 0,2-16 0,0-6 0,2 9 0,1 1 0,2 0 0,0 1 0,1-1 0,1 2 0,2 0 0,0 0 0,1 1 0,1 1 0,1 0 0,0 1 0,2 1 0,0 1 0,1 0 0,1 1 0,1 1 0,31-17 0,-17 12 0,0 2 0,1 2 0,1 1 0,1 2 0,0 2 0,0 1 0,1 2 0,1 1 0,-1 2 0,59 1 0,-93 4 0,1 0 0,-1 0 0,1 0 0,0 1 0,-1 0 0,1 0 0,-1 0 0,1 1 0,-1 0 0,0 0 0,0 0 0,0 1 0,0-1 0,0 1 0,0 0 0,-1 1 0,1-1 0,-1 1 0,0 0 0,0 0 0,-1 0 0,1 1 0,-1-1 0,0 1 0,0 0 0,0 0 0,4 10 0,9 25 0,0 1 0,-3 0 0,-1 1 0,10 76 0,1 178 0,-22-252 0,-2-1 0,-1 1 0,-10 49 0,7-71 0,0-1 0,-1 0 0,-2-1 0,0 0 0,-1 0 0,0 0 0,-2-1 0,-17 23 0,-45 46 0,-3-3 0,-102 87 0,13-14 0,155-147 0,-1 0 0,2 1 0,0 0 0,0 0 0,1 1 0,0 0 0,1 1 0,1 0 0,0 0 0,1 0 0,-5 22 0,8-24 0,0-5 0,1 0 0,-1 0 0,0 0 0,-1 0 0,-4 10 0,6-16 0,0 0 0,1 0 0,-1 0 0,0 0 0,0 0 0,1-1 0,-1 1 0,0 0 0,0 0 0,0-1 0,0 1 0,0 0 0,0-1 0,0 1 0,0-1 0,0 0 0,-1 1 0,1-1 0,0 0 0,0 0 0,0 1 0,0-1 0,-1 0 0,1 0 0,0 0 0,0-1 0,0 1 0,0 0 0,0 0 0,-1-1 0,1 1 0,0 0 0,0-1 0,0 1 0,0-1 0,0 1 0,0-1 0,0 0 0,0 1 0,0-1 0,-1-1 0,-6-5 0,-1 0 0,1 0 0,0-1 0,1-1 0,-1 1 0,2-1 0,-1 0 0,-7-16 0,-4-9 0,-16-48 0,-2-24 0,5 0 0,4-2 0,-24-218 0,49 308 0,-2-53 0,4 67 0,0-1 0,0 1 0,1-1 0,0 1 0,0-1 0,0 1 0,0 0 0,0-1 0,1 1 0,0 0 0,4-8 0,-5 12 0,0-1 0,0 0 0,0 1 0,0-1 0,0 0 0,0 1 0,0-1 0,0 1 0,0 0 0,0-1 0,0 1 0,1 0 0,-1 0 0,0 0 0,0 0 0,0 0 0,0 0 0,0 0 0,1 0 0,-1 0 0,0 0 0,0 0 0,0 1 0,0-1 0,0 1 0,0-1 0,0 1 0,0-1 0,0 1 0,0-1 0,0 1 0,1 1 0,31 24 0,-31-25 0,168 176 0,-92-92 0,-68-74 0,0 0 0,1-1 0,1-1 0,-1 0 0,1-1 0,1 0 0,0 0 0,0-2 0,0 1 0,1-2 0,0 0 0,0 0 0,0-2 0,19 4 0,-29-7 0,0 0 0,-1 0 0,1 0 0,0-1 0,0 1 0,0-1 0,-1 0 0,1 0 0,0 0 0,-1-1 0,1 1 0,-1-1 0,1 0 0,-1 0 0,0 0 0,0 0 0,0-1 0,0 1 0,0-1 0,0 0 0,2-4 0,6-7 0,0-1 0,-1-1 0,11-23 0,6-10 0,2 13 0,0 1 0,3 2 0,0 1 0,3 1 0,62-43 0,-59 55 0,-33 17 0,0 1 0,0-1 0,0 0 0,-1-1 0,1 1 0,0-1 0,-1 0 0,0 0 0,1-1 0,-1 1 0,-1-1 0,7-6 0,-11 9 0,1 0 0,0 0 0,0 0 0,-1-1 0,1 1 0,0 0 0,-1 0 0,1 0 0,-1 0 0,1 0 0,-1 1 0,0-1 0,1 0 0,-1 0 0,0 0 0,0 0 0,1 1 0,-1-1 0,0 0 0,0 1 0,0-1 0,0 1 0,0-1 0,0 1 0,0-1 0,0 1 0,0 0 0,0-1 0,0 1 0,0 0 0,0 0 0,0 0 0,-1 0 0,0 0 0,-43-7 0,14 7 0,1 0 0,0 2 0,-1 2 0,-40 9 0,-122 41 0,111-30 0,-285 79 0,365-103 0,0 1 0,-1-1 0,1 1 0,0 0 0,-1 0 0,1 0 0,0 0 0,0 0 0,0 0 0,0 1 0,0-1 0,0 0 0,0 1 0,0 0 0,1-1 0,-1 1 0,1 0 0,-1 0 0,1 0 0,0 0 0,-1 0 0,1 0 0,-1 5 0,1-3 0,1 0 0,0 0 0,0 0 0,0 0 0,0 0 0,1-1 0,-1 1 0,1 0 0,0 0 0,0 0 0,1-1 0,-1 1 0,3 4 0,3 5 0,1-1 0,0 0 0,0 0 0,1-1 0,1 0 0,0-1 0,13 11 0,52 25 0,-56-37 0,-2 2 0,1 0 0,18 16 0,24 38 0,-51-53 0,2 1 0,-1-2 0,1 1 0,1-1 0,0-1 0,16 11 0,-25-20 0,-1-1 0,0 1 0,0 0 0,1-1 0,-1 1 0,0-1 0,1 0 0,-1 0 0,0 1 0,1-2 0,-1 1 0,0 0 0,1 0 0,-1-1 0,0 1 0,0-1 0,1 0 0,-1 0 0,0 0 0,0 0 0,0 0 0,0 0 0,0 0 0,0-1 0,0 1 0,0-1 0,-1 1 0,1-1 0,1-2 0,7-7 0,-1-1 0,0 1 0,11-20 0,-18 27 0,17-29 0,-2-1 0,-1 0 0,-2-1 0,-1-1 0,-2 0 0,-2 0 0,-1-1 0,-2 0 0,-1-1 0,0-59 0,-6 91 0,1 1 0,0 0 0,-1-1 0,0 1 0,0 0 0,-1 0 0,0-1 0,-4-8 0,6 13 0,0 1 0,-1-1 0,1 1 0,0-1 0,-1 1 0,1-1 0,-1 1 0,1-1 0,-1 1 0,1-1 0,-1 1 0,1-1 0,-1 1 0,0 0 0,1-1 0,-1 1 0,0 0 0,1 0 0,-1-1 0,0 1 0,1 0 0,-1 0 0,0 0 0,1 0 0,-1 0 0,-1 0 0,0 1 0,1 0 0,-1-1 0,0 1 0,1 0 0,-1 0 0,1 1 0,-1-1 0,1 0 0,-1 0 0,1 1 0,0-1 0,0 1 0,0-1 0,0 1 0,-1 1 0,-8 12 0,2 0 0,-1 0 0,2 1 0,0 0 0,1 0 0,1 1 0,0-1 0,1 1 0,1 0 0,1 1 0,0-1 0,1 0 0,1 1 0,1-1 0,0 0 0,1 0 0,1 1 0,1-1 0,0-1 0,1 1 0,10 21 0,4 2 0,2-2 0,1-1 0,2 0 0,49 57 0,-64-85 0,0 0 0,1-1 0,0 0 0,0 0 0,1-1 0,0 0 0,0-1 0,0 0 0,14 4 0,-17-8 0,1 0 0,0 0 0,-1-1 0,1 0 0,0 0 0,0-1 0,0 0 0,0 0 0,0-1 0,-1-1 0,1 1 0,0-2 0,-1 1 0,13-6 0,-4 0 0,-1-1 0,0 0 0,-1-2 0,0 1 0,-1-2 0,0 0 0,-1-1 0,0 0 0,-1-1 0,0 0 0,-1-1 0,-1 0 0,-1-1 0,0 0 0,11-27 0,6-24 0,-3-1 0,23-112 0,-41 160 0,-3 14 0,-1 1 0,1 0 0,-1-1 0,0 1 0,-1-1 0,1 1 0,-1-1 0,0 1 0,-1-1 0,1 1 0,-1-1 0,0 1 0,0-1 0,-1 1 0,0 0 0,0-1 0,0 1 0,0 0 0,-1 0 0,0 1 0,0-1 0,0 1 0,-1-1 0,1 1 0,-1 0 0,0 0 0,-8-5 0,-31-29 0,7 6 0,-2 1 0,-55-35 0,85 62 0,0 0 0,0 0 0,0 0 0,0 1 0,-1 1 0,1-1 0,-1 1 0,1 1 0,-1 0 0,0 0 0,0 0 0,1 1 0,-1 1 0,-12 1 0,9 1 0,1 0 0,0 0 0,0 1 0,1 1 0,-1 0 0,1 0 0,0 1 0,1 0 0,-18 16 0,8-5 0,1 1 0,2 1 0,0 1 0,1 0 0,0 1 0,2 0 0,1 1 0,0 1 0,-11 35 0,15-34 0,1 1 0,2 0 0,0 1 0,2-1 0,1 1 0,1-1 0,1 1 0,1 0 0,1 0 0,1-1 0,2 0 0,1 1 0,0-2 0,2 1 0,1-1 0,1 0 0,15 27 0,-19-40 0,1-1 0,-1-1 0,1 1 0,1-1 0,0 0 0,0-1 0,1 0 0,0 0 0,0-1 0,1 0 0,0-1 0,16 9 0,-20-13 0,0 1 0,0-1 0,0 0 0,0-1 0,1 0 0,-1 0 0,0 0 0,1 0 0,-1-1 0,1 0 0,-1-1 0,1 1 0,-1-1 0,0 0 0,1-1 0,-1 0 0,0 0 0,0 0 0,0-1 0,0 1 0,-1-2 0,1 1 0,-1 0 0,6-6 0,1-1 0,-1 0 0,-1-1 0,0-1 0,0 0 0,-1 0 0,-1-1 0,0 0 0,-1 0 0,0-1 0,-1 0 0,-1 0 0,5-17 0,3-21 0,-3 0 0,5-60 0,-12 83 0,-3 25 0,1-1 0,-1 0 0,0 1 0,-1-1 0,1 0 0,-1 1 0,0-1 0,0 1 0,0-1 0,-1 1 0,0-1 0,1 1 0,-2 0 0,1 0 0,0 0 0,-1 0 0,0 0 0,1 1 0,-7-6 0,7 7 0,0 1 0,0-1 0,-1 1 0,1-1 0,0 1 0,-1 0 0,1 0 0,-1 0 0,1 0 0,-1 0 0,0 1 0,1-1 0,-1 1 0,0 0 0,0 0 0,1 0 0,-1 0 0,0 0 0,1 1 0,-1-1 0,0 1 0,1-1 0,-1 1 0,0 0 0,1 0 0,-1 0 0,1 1 0,0-1 0,-1 1 0,1-1 0,0 1 0,0 0 0,0 0 0,-2 2 0,-9 9 0,0 2 0,1-1 0,0 2 0,2-1 0,-1 2 0,2-1 0,0 1 0,2 1 0,-1 0 0,-7 32 0,-2 20 0,-12 109 0,19-100 0,5-44 0,4-22 0,0 0 0,0 0 0,-2 0 0,0 0 0,0 0 0,-1-1 0,-1 1 0,-9 18 0,13-30 0,-1 1 0,0 0 0,0-1 0,1 0 0,-1 1 0,0-1 0,0 0 0,0 0 0,0 0 0,0 0 0,0-1 0,-1 1 0,1-1 0,0 1 0,0-1 0,0 0 0,-1 1 0,1-1 0,0 0 0,0 0 0,-1-1 0,1 1 0,0-1 0,0 1 0,0-1 0,-1 1 0,1-1 0,0 0 0,0 0 0,0 0 0,0 0 0,0-1 0,-2-1 0,-11-7 0,0 0 0,1-1 0,-15-15 0,17 15 0,5 4 0,0-1 0,1 1 0,0-1 0,1-1 0,-1 1 0,2-1 0,-1 1 0,1-2 0,1 1 0,-1 0 0,2-1 0,-1 1 0,1-1 0,1 0 0,0 1 0,0-12 0,0 1 0,2 0 0,0 0 0,1 0 0,1 0 0,0 1 0,2-1 0,7-18 0,-6 23 0,0 1 0,2 0 0,-1 1 0,2 0 0,-1 0 0,2 1 0,0 0 0,0 0 0,1 1 0,1 0 0,0 1 0,0 1 0,1 0 0,0 0 0,0 1 0,1 1 0,0 1 0,27-10 0,17 0 0,0 1 0,1 4 0,95-7 0,-72 9 0,363-33 0,-443 42 0,0-1 0,0 1 0,1 0 0,-1 0 0,0 0 0,0 0 0,0 0 0,0 0 0,0 0 0,0 1 0,0-1 0,0 1 0,0-1 0,0 1 0,0 0 0,0 0 0,-1 0 0,1 0 0,0 0 0,0 0 0,1 2 0,-3-1 0,0 0 0,0 0 0,0 0 0,0 0 0,-1 0 0,1 0 0,-1 0 0,1 0 0,-1 0 0,0 0 0,0 0 0,0-1 0,0 1 0,0 0 0,0 0 0,-1-1 0,1 1 0,0-1 0,-1 1 0,1-1 0,-4 2 0,-154 142 0,36-35 0,118-106 0,-55 52 0,3 2 0,-92 121 0,149-178 0,-1 0 0,0 0 0,0 0 0,1 0 0,-1 0 0,0 0 0,1 0 0,-1 0 0,1 0 0,0 0 0,-1 0 0,1 0 0,0 0 0,-1 1 0,1-1 0,0 0 0,0 2 0,15-4 0,39-30 0,-41 22 0,250-113 0,-50 26 0,-179 80 0,-25 12 0,1 0 0,-1 0 0,0-1 0,0 0 0,-1 0 0,0-1 0,0 0 0,0-1 0,0 0 0,-1 0 0,-1-1 0,1 1 0,5-10 0,6-15 0,-11 16 0,2 1 0,0 0 0,1 1 0,12-15 0,-17 24 0,0 0 0,1 1 0,-1-1 0,1 1 0,0 0 0,0 1 0,0 0 0,0 0 0,1 0 0,0 0 0,-1 1 0,1 0 0,12-1 0,-2 1 0,-1 1 0,1 1 0,-1 0 0,1 1 0,-1 1 0,0 0 0,0 2 0,1-1 0,-2 2 0,1 0 0,-1 1 0,1 1 0,-2 0 0,22 14 0,-28-16 0,0 1 0,-1-1 0,1 1 0,-1 1 0,0 0 0,-1 0 0,0 0 0,0 0 0,0 1 0,-1 0 0,0 0 0,-1 1 0,1-1 0,-2 1 0,1 0 0,-1 0 0,-1 0 0,0 1 0,0-1 0,-1 1 0,0-1 0,0 1 0,-1-1 0,0 1 0,-1-1 0,-2 13 0,0-12 0,1-1 0,-1 1 0,-1-1 0,1 0 0,-2 1 0,1-2 0,-1 1 0,-1-1 0,1 1 0,-1-2 0,-1 1 0,0-1 0,0 1 0,0-2 0,-1 1 0,0-1 0,0-1 0,0 1 0,-1-1 0,0-1 0,0 1 0,0-2 0,0 1 0,-1-1 0,-14 2 0,-20 3 0,0-2 0,0-2 0,0-2 0,-63-4 0,57 0 0,29 2 0,11 0 0,0 1 0,1-2 0,-1 1 0,0-1 0,1-1 0,-1 0 0,1 0 0,-18-7 0,27 9 0,1 0 0,-1 0 0,1 0 0,-1 0 0,1 0 0,-1-1 0,1 1 0,-1 0 0,1 0 0,-1 0 0,1-1 0,-1 1 0,1 0 0,-1 0 0,1-1 0,-1 1 0,1 0 0,-1-1 0,0 1 0,1 0 0,-1-1 0,0 1 0,1-1 0,-1 1 0,0-1 0,0 1 0,1-1 0,-1 1 0,0-1 0,0 1 0,0-1 0,0 1 0,0-1 0,0 1 0,1-1 0,-1 1 0,0-1 0,0 1 0,-1-1 0,1 1 0,0-1 0,0 1 0,0-1 0,0 1 0,0-1 0,-1 1 0,1-1 0,0 1 0,0-1 0,-1 1 0,1-1 0,0 1 0,-1-1 0,1 1 0,0 0 0,-1-1 0,1 1 0,-1 0 0,1-1 0,0 1 0,-1 0 0,1 0 0,-1-1 0,1 1 0,-1 0 0,1 0 0,-2 0 0,47-10 0,1 8 0,-1 2 0,87 11 0,-21 0 0,454-6 0,-324-7 0,-220 1 0,0-1 0,34-8 0,26-2 0,-77 12 0,-1-1 0,1 1 0,-1-1 0,1 0 0,-1 0 0,1 0 0,-1 0 0,0 0 0,0-1 0,1 1 0,-1-1 0,0 0 0,0 0 0,-1 0 0,1 0 0,0-1 0,-1 1 0,1-1 0,-1 0 0,0 1 0,0-1 0,0 0 0,0 0 0,0-1 0,-1 1 0,0 0 0,1 0 0,-1-1 0,0 1 0,-1-1 0,1 1 0,0-1 0,-1 1 0,0-6 0,0-15 0,-1 0 0,0 1 0,-2 0 0,-7-31 0,2 12 0,0-44 0,6-164 0,5 115 0,-2 52 0,-3-90 0,-8 122 0,10 49 0,-1-1 0,0 0 0,0 1 0,0-1 0,0 1 0,-1 0 0,1-1 0,0 1 0,-1 0 0,0 0 0,1 0 0,-1 0 0,0 0 0,0 0 0,-5-2 0,6 3 0,0 1 0,0 0 0,-1 0 0,1 0 0,0 0 0,0 1 0,-1-1 0,1 0 0,0 0 0,0 1 0,0-1 0,-1 1 0,1-1 0,0 1 0,0-1 0,0 1 0,0 0 0,0-1 0,0 1 0,0 0 0,0 0 0,0 0 0,0 0 0,1 0 0,-1 0 0,-1 1 0,-21 33 0,19-28 0,-227 386 0,228-387 0,-1 0 0,0 0 0,-1 0 0,0-1 0,1 0 0,-2 0 0,1 0 0,0-1 0,-1 0 0,0 0 0,0 0 0,0-1 0,0 0 0,-8 3 0,0-3 0,1 0 0,-1 0 0,0-2 0,0 0 0,0 0 0,-16-2 0,-61-1 0,1 1 0,0-4 0,-131-23 0,138 15 0,0 4 0,0 4 0,-121 8 0,55-1 0,-4-1 0,150-1 0,0 1 0,0 0 0,0-1 0,0 1 0,0 0 0,1 0 0,-1 0 0,0 1 0,1-1 0,-1 1 0,1-1 0,-1 1 0,1 0 0,0 0 0,0 0 0,-1 0 0,-2 5 0,2-2 0,0 0 0,0 1 0,0-1 0,0 1 0,1 0 0,0 0 0,1 0 0,-2 8 0,1-3 0,1-1 0,0 1 0,0 0 0,1 0 0,1-1 0,0 1 0,1 0 0,0 0 0,5 16 0,-3-20 0,-1 0 0,1-1 0,1 1 0,-1-1 0,1 0 0,0-1 0,1 1 0,-1-1 0,1 0 0,0 0 0,0-1 0,1 0 0,-1 0 0,1 0 0,0-1 0,8 3 0,16 5 0,0-1 0,47 8 0,-43-11 0,72 15 0,189 11 0,115-26 0,-385-7 0,35 1 0,0-4 0,0-1 0,93-20 0,-33-8 0,-28 6 0,1 4 0,126-13 0,-147 30 0,120-14 0,-173 16 0,0-1 0,0-2 0,0 0 0,0 0 0,-1-2 0,0-1 0,18-11 0,-33 18 0,-1 0 0,1 0 0,-1-1 0,0 1 0,1-1 0,-1 0 0,-1 0 0,1 0 0,0 0 0,-1-1 0,1 1 0,-1 0 0,0-1 0,0 0 0,-1 0 0,1 1 0,-1-1 0,0 0 0,1-5 0,-2 4 0,0-1 0,0 1 0,-1-1 0,0 1 0,0-1 0,-1 1 0,1 0 0,-1 0 0,0 0 0,0 0 0,-1 0 0,0 0 0,0 0 0,-3-4 0,-15-17 0,0 0 0,-2 1 0,0 1 0,-2 1 0,-1 2 0,0 0 0,-51-28 0,-7 2 0,-127-51 0,129 65 0,-2 3 0,-160-34 0,192 55 0,-1 2 0,-1 2 0,1 2 0,-1 3 0,0 3 0,-53 8 0,72-3 0,1 1 0,-1 2 0,1 1 0,1 1 0,0 2 0,1 2 0,1 0 0,1 3 0,-36 28 0,23-13 0,1 3 0,2 1 0,2 1 0,2 3 0,-38 56 0,56-73 0,1 1 0,2 1 0,0 0 0,-19 57 0,31-73 0,0-1 0,0 1 0,1 0 0,0 0 0,1 0 0,1 0 0,0 1 0,0-1 0,1 0 0,1 0 0,0 0 0,1 0 0,0-1 0,1 1 0,9 19 0,-5-14 0,0-1 0,1-1 0,1 0 0,1 0 0,0-1 0,1 0 0,0-1 0,1 0 0,0-1 0,1-1 0,1 0 0,0-1 0,0 0 0,1-1 0,0-1 0,1-1 0,-1 0 0,28 7 0,10-3 0,0-3 0,1-1 0,0-3 0,0-3 0,0-1 0,0-3 0,0-3 0,-1-2 0,0-2 0,0-3 0,-1-2 0,-1-2 0,-1-3 0,0-2 0,69-41 0,-100 51 0,0-2 0,-1 0 0,0-1 0,-2-1 0,0-1 0,0 0 0,18-27 0,-24 28 0,-2 0 0,0 0 0,-1-1 0,0 0 0,-1 0 0,-1-1 0,-1 0 0,-1 0 0,5-36 0,-7 31 0,-1 1 0,-2 0 0,0 0 0,-1 0 0,-1 0 0,-1 0 0,-1 0 0,-1 1 0,-1-1 0,0 2 0,-2-1 0,-1 1 0,0 0 0,-1 1 0,-1 1 0,-1-1 0,-1 2 0,0 0 0,-25-22 0,6 7 0,-67-50 0,84 70 0,0 2 0,-1 0 0,0 1 0,-1 0 0,0 2 0,0 0 0,-22-5 0,29 10 0,1 1 0,-1 1 0,0-1 0,0 2 0,0 0 0,0 0 0,0 1 0,1 0 0,-1 0 0,1 1 0,-18 8 0,-9 6 0,-62 40 0,82-47 0,-120 79 0,4 7 0,-221 206 0,191-129 0,143-148 0,0 1 0,2 1 0,1 1 0,1 1 0,-14 36 0,27-56 0,0 0 0,0 0 0,0 0 0,1 1 0,1-1 0,0 1 0,0 14 0,1-20 0,0-1 0,1 1 0,-1-1 0,1 0 0,0 1 0,0-1 0,0 0 0,1 1 0,-1-1 0,1 0 0,0 0 0,-1 0 0,1 0 0,1-1 0,-1 1 0,0-1 0,1 1 0,-1-1 0,1 0 0,0 1 0,0-1 0,0-1 0,4 3 0,13 5 0,1-1 0,-1-1 0,1-1 0,1-1 0,30 4 0,118 3 0,-135-10 0,-21-1 0,369 1 0,-343-4 0,-1-3 0,1-1 0,-1-1 0,0-3 0,-1-1 0,0-2 0,56-27 0,-79 32 0,-1 0 0,0-1 0,-1-1 0,1 0 0,-2 0 0,0-2 0,0 1 0,-1-2 0,0 1 0,-1-1 0,-1-1 0,0 0 0,-1 0 0,0-1 0,-1 0 0,-1 0 0,0-1 0,-1 0 0,-1 0 0,3-19 0,-3 7 0,-2 0 0,-1 0 0,-1 0 0,-1-1 0,-2 1 0,0 1 0,-2-1 0,-1 0 0,-2 1 0,0 0 0,-2 1 0,-1 0 0,-18-33 0,5 18 0,-2 1 0,-2 1 0,-1 1 0,-2 2 0,-2 1 0,-70-59 0,74 73 0,0 0 0,-2 2 0,0 1 0,0 2 0,-2 1 0,0 1 0,-1 2 0,0 1 0,-67-11 0,95 21 0,1 0 0,-1 0 0,0 1 0,1 0 0,-1 0 0,0 1 0,1 0 0,-1 0 0,1 0 0,-1 0 0,1 1 0,-1 0 0,1 0 0,0 1 0,0-1 0,0 1 0,-5 4 0,2 0 0,0 0 0,1 1 0,0 1 0,0-1 0,0 1 0,1 0 0,1 1 0,-6 11 0,-17 40-455,4 1 0,-31 116 0,40-116-6371</inkml:trace>
+</inkml:ink>
 </file>
 
 <file path=ppt/slideLayouts/slideLayout1.xml><?xml version="1.0" encoding="utf-8"?>
@@ -6323,6 +6384,14 @@
 <file path=ppt/slides/slide7.xml><?xml version="1.0" encoding="utf-8"?>
 <p:sld xmlns:a="http://schemas.openxmlformats.org/drawingml/2006/main" xmlns:r="http://schemas.openxmlformats.org/officeDocument/2006/relationships" xmlns:p="http://schemas.openxmlformats.org/presentationml/2006/main">
   <p:cSld>
+    <p:bg>
+      <p:bgPr>
+        <a:solidFill>
+          <a:schemeClr val="bg1"/>
+        </a:solidFill>
+        <a:effectLst/>
+      </p:bgPr>
+    </p:bg>
     <p:spTree>
       <p:nvGrpSpPr>
         <p:cNvPr id="1" name=""/>
@@ -6337,6 +6406,66 @@
           <a:chExt cx="0" cy="0"/>
         </a:xfrm>
       </p:grpSpPr>
+      <p:sp useBgFill="1">
+        <p:nvSpPr>
+          <p:cNvPr id="10" name="Rectangle 9">
+            <a:extLst>
+              <a:ext uri="{FF2B5EF4-FFF2-40B4-BE49-F238E27FC236}">
+                <a16:creationId xmlns:a16="http://schemas.microsoft.com/office/drawing/2014/main" id="{47942995-B07F-4636-9A06-C6A104B260A8}"/>
+              </a:ext>
+              <a:ext uri="{C183D7F6-B498-43B3-948B-1728B52AA6E4}">
+                <adec:decorative xmlns:adec="http://schemas.microsoft.com/office/drawing/2017/decorative" val="1"/>
+              </a:ext>
+            </a:extLst>
+          </p:cNvPr>
+          <p:cNvSpPr>
+            <a:spLocks noGrp="1" noRot="1" noChangeAspect="1" noMove="1" noResize="1" noEditPoints="1" noAdjustHandles="1" noChangeArrowheads="1" noChangeShapeType="1" noTextEdit="1"/>
+          </p:cNvSpPr>
+          <p:nvPr>
+            <p:extLst>
+              <p:ext uri="{386F3935-93C4-4BCD-93E2-E3B085C9AB24}">
+                <p16:designElem xmlns:p16="http://schemas.microsoft.com/office/powerpoint/2015/main" val="1"/>
+              </p:ext>
+            </p:extLst>
+          </p:nvPr>
+        </p:nvSpPr>
+        <p:spPr>
+          <a:xfrm>
+            <a:off x="0" y="0"/>
+            <a:ext cx="12191999" cy="6857365"/>
+          </a:xfrm>
+          <a:prstGeom prst="rect">
+            <a:avLst/>
+          </a:prstGeom>
+          <a:ln>
+            <a:noFill/>
+          </a:ln>
+        </p:spPr>
+        <p:style>
+          <a:lnRef idx="2">
+            <a:schemeClr val="accent1">
+              <a:shade val="50000"/>
+            </a:schemeClr>
+          </a:lnRef>
+          <a:fillRef idx="1">
+            <a:schemeClr val="accent1"/>
+          </a:fillRef>
+          <a:effectRef idx="0">
+            <a:schemeClr val="accent1"/>
+          </a:effectRef>
+          <a:fontRef idx="minor">
+            <a:schemeClr val="lt1"/>
+          </a:fontRef>
+        </p:style>
+        <p:txBody>
+          <a:bodyPr rtlCol="0" anchor="ctr"/>
+          <a:lstStyle/>
+          <a:p>
+            <a:pPr algn="ctr"/>
+            <a:endParaRPr lang="en-US"/>
+          </a:p>
+        </p:txBody>
+      </p:sp>
       <p:sp>
         <p:nvSpPr>
           <p:cNvPr id="2" name="Title 1">
@@ -6353,51 +6482,532 @@
             <p:ph type="title"/>
           </p:nvPr>
         </p:nvSpPr>
-        <p:spPr/>
-        <p:txBody>
-          <a:bodyPr/>
+        <p:spPr>
+          <a:xfrm>
+            <a:off x="1113810" y="2960716"/>
+            <a:ext cx="4036334" cy="2387600"/>
+          </a:xfrm>
+        </p:spPr>
+        <p:txBody>
+          <a:bodyPr vert="horz" lIns="91440" tIns="45720" rIns="91440" bIns="45720" rtlCol="0" anchor="t">
+            <a:normAutofit/>
+          </a:bodyPr>
           <a:lstStyle/>
           <a:p>
-            <a:pPr algn="ctr"/>
             <a:r>
-              <a:rPr lang="en-US" dirty="0"/>
+              <a:rPr lang="en-US" sz="3800" kern="1200">
+                <a:solidFill>
+                  <a:schemeClr val="tx1"/>
+                </a:solidFill>
+                <a:latin typeface="+mj-lt"/>
+                <a:ea typeface="+mj-ea"/>
+                <a:cs typeface="+mj-cs"/>
+              </a:rPr>
               <a:t>System Design: </a:t>
             </a:r>
             <a:br>
-              <a:rPr lang="en-US" dirty="0"/>
+              <a:rPr lang="en-US" sz="3800" kern="1200">
+                <a:solidFill>
+                  <a:schemeClr val="tx1"/>
+                </a:solidFill>
+                <a:latin typeface="+mj-lt"/>
+                <a:ea typeface="+mj-ea"/>
+                <a:cs typeface="+mj-cs"/>
+              </a:rPr>
             </a:br>
             <a:r>
-              <a:rPr lang="en-US" dirty="0"/>
+              <a:rPr lang="en-US" sz="3800" kern="1200">
+                <a:solidFill>
+                  <a:schemeClr val="tx1"/>
+                </a:solidFill>
+                <a:latin typeface="+mj-lt"/>
+                <a:ea typeface="+mj-ea"/>
+                <a:cs typeface="+mj-cs"/>
+              </a:rPr>
               <a:t>Functional Decomposition Diagram</a:t>
             </a:r>
           </a:p>
         </p:txBody>
       </p:sp>
-      <p:sp>
-        <p:nvSpPr>
-          <p:cNvPr id="3" name="Content Placeholder 2">
-            <a:extLst>
-              <a:ext uri="{FF2B5EF4-FFF2-40B4-BE49-F238E27FC236}">
-                <a16:creationId xmlns:a16="http://schemas.microsoft.com/office/drawing/2014/main" id="{7912B5FA-8D98-C23F-DE35-8BD630649F58}"/>
-              </a:ext>
-            </a:extLst>
-          </p:cNvPr>
-          <p:cNvSpPr>
-            <a:spLocks noGrp="1"/>
-          </p:cNvSpPr>
+      <p:grpSp>
+        <p:nvGrpSpPr>
+          <p:cNvPr id="12" name="Group 11">
+            <a:extLst>
+              <a:ext uri="{FF2B5EF4-FFF2-40B4-BE49-F238E27FC236}">
+                <a16:creationId xmlns:a16="http://schemas.microsoft.com/office/drawing/2014/main" id="{032D8612-31EB-44CF-A1D0-14FD4C705424}"/>
+              </a:ext>
+              <a:ext uri="{C183D7F6-B498-43B3-948B-1728B52AA6E4}">
+                <adec:decorative xmlns:adec="http://schemas.microsoft.com/office/drawing/2017/decorative" val="1"/>
+              </a:ext>
+            </a:extLst>
+          </p:cNvPr>
+          <p:cNvGrpSpPr>
+            <a:grpSpLocks noGrp="1" noUngrp="1" noRot="1" noChangeAspect="1" noMove="1" noResize="1"/>
+          </p:cNvGrpSpPr>
+          <p:nvPr>
+            <p:extLst>
+              <p:ext uri="{386F3935-93C4-4BCD-93E2-E3B085C9AB24}">
+                <p16:designElem xmlns:p16="http://schemas.microsoft.com/office/powerpoint/2015/main" val="1"/>
+              </p:ext>
+            </p:extLst>
+          </p:nvPr>
+        </p:nvGrpSpPr>
+        <p:grpSpPr>
+          <a:xfrm>
+            <a:off x="0" y="2984992"/>
+            <a:ext cx="731521" cy="673460"/>
+            <a:chOff x="3940602" y="308034"/>
+            <a:chExt cx="2116791" cy="3428999"/>
+          </a:xfrm>
+          <a:solidFill>
+            <a:schemeClr val="accent4"/>
+          </a:solidFill>
+        </p:grpSpPr>
+        <p:sp>
+          <p:nvSpPr>
+            <p:cNvPr id="13" name="Rectangle 12">
+              <a:extLst>
+                <a:ext uri="{FF2B5EF4-FFF2-40B4-BE49-F238E27FC236}">
+                  <a16:creationId xmlns:a16="http://schemas.microsoft.com/office/drawing/2014/main" id="{F19A4A0F-1B59-4DB0-9764-D10936E98770}"/>
+                </a:ext>
+                <a:ext uri="{C183D7F6-B498-43B3-948B-1728B52AA6E4}">
+                  <adec:decorative xmlns:adec="http://schemas.microsoft.com/office/drawing/2017/decorative" val="1"/>
+                </a:ext>
+              </a:extLst>
+            </p:cNvPr>
+            <p:cNvSpPr/>
+            <p:nvPr>
+              <p:extLst>
+                <p:ext uri="{386F3935-93C4-4BCD-93E2-E3B085C9AB24}">
+                  <p16:designElem xmlns:p16="http://schemas.microsoft.com/office/powerpoint/2015/main" val="1"/>
+                </p:ext>
+              </p:extLst>
+            </p:nvPr>
+          </p:nvSpPr>
+          <p:spPr>
+            <a:xfrm>
+              <a:off x="3940602" y="308034"/>
+              <a:ext cx="566743" cy="3428999"/>
+            </a:xfrm>
+            <a:prstGeom prst="rect">
+              <a:avLst/>
+            </a:prstGeom>
+            <a:grpFill/>
+            <a:ln>
+              <a:noFill/>
+            </a:ln>
+          </p:spPr>
+          <p:style>
+            <a:lnRef idx="2">
+              <a:schemeClr val="accent1">
+                <a:shade val="50000"/>
+              </a:schemeClr>
+            </a:lnRef>
+            <a:fillRef idx="1">
+              <a:schemeClr val="accent1"/>
+            </a:fillRef>
+            <a:effectRef idx="0">
+              <a:schemeClr val="accent1"/>
+            </a:effectRef>
+            <a:fontRef idx="minor">
+              <a:schemeClr val="lt1"/>
+            </a:fontRef>
+          </p:style>
+          <p:txBody>
+            <a:bodyPr rtlCol="0" anchor="ctr"/>
+            <a:lstStyle/>
+            <a:p>
+              <a:pPr algn="ctr"/>
+              <a:endParaRPr lang="en-US"/>
+            </a:p>
+          </p:txBody>
+        </p:sp>
+        <p:sp>
+          <p:nvSpPr>
+            <p:cNvPr id="14" name="Rectangle 13">
+              <a:extLst>
+                <a:ext uri="{FF2B5EF4-FFF2-40B4-BE49-F238E27FC236}">
+                  <a16:creationId xmlns:a16="http://schemas.microsoft.com/office/drawing/2014/main" id="{F399A70F-F8CD-4992-9EF5-6CF15472E73F}"/>
+                </a:ext>
+                <a:ext uri="{C183D7F6-B498-43B3-948B-1728B52AA6E4}">
+                  <adec:decorative xmlns:adec="http://schemas.microsoft.com/office/drawing/2017/decorative" val="1"/>
+                </a:ext>
+              </a:extLst>
+            </p:cNvPr>
+            <p:cNvSpPr/>
+            <p:nvPr>
+              <p:extLst>
+                <p:ext uri="{386F3935-93C4-4BCD-93E2-E3B085C9AB24}">
+                  <p16:designElem xmlns:p16="http://schemas.microsoft.com/office/powerpoint/2015/main" val="1"/>
+                </p:ext>
+              </p:extLst>
+            </p:nvPr>
+          </p:nvSpPr>
+          <p:spPr>
+            <a:xfrm>
+              <a:off x="4715626" y="308034"/>
+              <a:ext cx="566743" cy="3428999"/>
+            </a:xfrm>
+            <a:prstGeom prst="rect">
+              <a:avLst/>
+            </a:prstGeom>
+            <a:grpFill/>
+            <a:ln>
+              <a:noFill/>
+            </a:ln>
+          </p:spPr>
+          <p:style>
+            <a:lnRef idx="2">
+              <a:schemeClr val="accent1">
+                <a:shade val="50000"/>
+              </a:schemeClr>
+            </a:lnRef>
+            <a:fillRef idx="1">
+              <a:schemeClr val="accent1"/>
+            </a:fillRef>
+            <a:effectRef idx="0">
+              <a:schemeClr val="accent1"/>
+            </a:effectRef>
+            <a:fontRef idx="minor">
+              <a:schemeClr val="lt1"/>
+            </a:fontRef>
+          </p:style>
+          <p:txBody>
+            <a:bodyPr rtlCol="0" anchor="ctr"/>
+            <a:lstStyle/>
+            <a:p>
+              <a:pPr algn="ctr"/>
+              <a:endParaRPr lang="en-US"/>
+            </a:p>
+          </p:txBody>
+        </p:sp>
+        <p:sp>
+          <p:nvSpPr>
+            <p:cNvPr id="15" name="Rectangle 14">
+              <a:extLst>
+                <a:ext uri="{FF2B5EF4-FFF2-40B4-BE49-F238E27FC236}">
+                  <a16:creationId xmlns:a16="http://schemas.microsoft.com/office/drawing/2014/main" id="{48F4FEDC-6D80-458C-A665-075D9B9500FD}"/>
+                </a:ext>
+                <a:ext uri="{C183D7F6-B498-43B3-948B-1728B52AA6E4}">
+                  <adec:decorative xmlns:adec="http://schemas.microsoft.com/office/drawing/2017/decorative" val="1"/>
+                </a:ext>
+              </a:extLst>
+            </p:cNvPr>
+            <p:cNvSpPr/>
+            <p:nvPr>
+              <p:extLst>
+                <p:ext uri="{386F3935-93C4-4BCD-93E2-E3B085C9AB24}">
+                  <p16:designElem xmlns:p16="http://schemas.microsoft.com/office/powerpoint/2015/main" val="1"/>
+                </p:ext>
+              </p:extLst>
+            </p:nvPr>
+          </p:nvSpPr>
+          <p:spPr>
+            <a:xfrm>
+              <a:off x="5490650" y="308034"/>
+              <a:ext cx="566743" cy="3428999"/>
+            </a:xfrm>
+            <a:prstGeom prst="rect">
+              <a:avLst/>
+            </a:prstGeom>
+            <a:grpFill/>
+            <a:ln>
+              <a:noFill/>
+            </a:ln>
+          </p:spPr>
+          <p:style>
+            <a:lnRef idx="2">
+              <a:schemeClr val="accent1">
+                <a:shade val="50000"/>
+              </a:schemeClr>
+            </a:lnRef>
+            <a:fillRef idx="1">
+              <a:schemeClr val="accent1"/>
+            </a:fillRef>
+            <a:effectRef idx="0">
+              <a:schemeClr val="accent1"/>
+            </a:effectRef>
+            <a:fontRef idx="minor">
+              <a:schemeClr val="lt1"/>
+            </a:fontRef>
+          </p:style>
+          <p:txBody>
+            <a:bodyPr rtlCol="0" anchor="ctr"/>
+            <a:lstStyle/>
+            <a:p>
+              <a:pPr algn="ctr"/>
+              <a:endParaRPr lang="en-US"/>
+            </a:p>
+          </p:txBody>
+        </p:sp>
+      </p:grpSp>
+      <p:sp>
+        <p:nvSpPr>
+          <p:cNvPr id="17" name="Rectangle 16">
+            <a:extLst>
+              <a:ext uri="{FF2B5EF4-FFF2-40B4-BE49-F238E27FC236}">
+                <a16:creationId xmlns:a16="http://schemas.microsoft.com/office/drawing/2014/main" id="{B81933D1-5615-42C7-9C0B-4EB7105CCE2D}"/>
+              </a:ext>
+              <a:ext uri="{C183D7F6-B498-43B3-948B-1728B52AA6E4}">
+                <adec:decorative xmlns:adec="http://schemas.microsoft.com/office/drawing/2017/decorative" val="1"/>
+              </a:ext>
+            </a:extLst>
+          </p:cNvPr>
+          <p:cNvSpPr>
+            <a:spLocks noGrp="1" noRot="1" noChangeAspect="1" noMove="1" noResize="1" noEditPoints="1" noAdjustHandles="1" noChangeArrowheads="1" noChangeShapeType="1" noTextEdit="1"/>
+          </p:cNvSpPr>
+          <p:nvPr>
+            <p:extLst>
+              <p:ext uri="{386F3935-93C4-4BCD-93E2-E3B085C9AB24}">
+                <p16:designElem xmlns:p16="http://schemas.microsoft.com/office/powerpoint/2015/main" val="1"/>
+              </p:ext>
+            </p:extLst>
+          </p:nvPr>
+        </p:nvSpPr>
+        <p:spPr>
+          <a:xfrm flipH="1">
+            <a:off x="10697670" y="0"/>
+            <a:ext cx="1494330" cy="6858000"/>
+          </a:xfrm>
+          <a:prstGeom prst="rect">
+            <a:avLst/>
+          </a:prstGeom>
+          <a:solidFill>
+            <a:schemeClr val="accent4"/>
+          </a:solidFill>
+          <a:ln>
+            <a:noFill/>
+          </a:ln>
+        </p:spPr>
+        <p:style>
+          <a:lnRef idx="2">
+            <a:schemeClr val="accent1">
+              <a:shade val="50000"/>
+            </a:schemeClr>
+          </a:lnRef>
+          <a:fillRef idx="1">
+            <a:schemeClr val="accent1"/>
+          </a:fillRef>
+          <a:effectRef idx="0">
+            <a:schemeClr val="accent1"/>
+          </a:effectRef>
+          <a:fontRef idx="minor">
+            <a:schemeClr val="lt1"/>
+          </a:fontRef>
+        </p:style>
+        <p:txBody>
+          <a:bodyPr rtlCol="0" anchor="ctr"/>
+          <a:lstStyle/>
+          <a:p>
+            <a:pPr algn="ctr"/>
+            <a:endParaRPr lang="en-US"/>
+          </a:p>
+        </p:txBody>
+      </p:sp>
+      <p:sp>
+        <p:nvSpPr>
+          <p:cNvPr id="19" name="Rectangle 18">
+            <a:extLst>
+              <a:ext uri="{FF2B5EF4-FFF2-40B4-BE49-F238E27FC236}">
+                <a16:creationId xmlns:a16="http://schemas.microsoft.com/office/drawing/2014/main" id="{19C9EAEA-39D0-4B0E-A0EB-51E7B26740B1}"/>
+              </a:ext>
+              <a:ext uri="{C183D7F6-B498-43B3-948B-1728B52AA6E4}">
+                <adec:decorative xmlns:adec="http://schemas.microsoft.com/office/drawing/2017/decorative" val="1"/>
+              </a:ext>
+            </a:extLst>
+          </p:cNvPr>
+          <p:cNvSpPr>
+            <a:spLocks noGrp="1" noRot="1" noChangeAspect="1" noMove="1" noResize="1" noEditPoints="1" noAdjustHandles="1" noChangeArrowheads="1" noChangeShapeType="1" noTextEdit="1"/>
+          </p:cNvSpPr>
+          <p:nvPr>
+            <p:extLst>
+              <p:ext uri="{386F3935-93C4-4BCD-93E2-E3B085C9AB24}">
+                <p16:designElem xmlns:p16="http://schemas.microsoft.com/office/powerpoint/2015/main" val="1"/>
+              </p:ext>
+            </p:extLst>
+          </p:nvPr>
+        </p:nvSpPr>
+        <p:spPr>
+          <a:xfrm>
+            <a:off x="5685810" y="391886"/>
+            <a:ext cx="6009366" cy="6017078"/>
+          </a:xfrm>
+          <a:prstGeom prst="rect">
+            <a:avLst/>
+          </a:prstGeom>
+          <a:solidFill>
+            <a:schemeClr val="bg1"/>
+          </a:solidFill>
+          <a:ln>
+            <a:noFill/>
+          </a:ln>
+          <a:effectLst>
+            <a:outerShdw blurRad="139700" dist="127000" dir="5400000" algn="t" rotWithShape="0">
+              <a:prstClr val="black">
+                <a:alpha val="15000"/>
+              </a:prstClr>
+            </a:outerShdw>
+          </a:effectLst>
+        </p:spPr>
+        <p:style>
+          <a:lnRef idx="2">
+            <a:schemeClr val="accent1">
+              <a:shade val="50000"/>
+            </a:schemeClr>
+          </a:lnRef>
+          <a:fillRef idx="1">
+            <a:schemeClr val="accent1"/>
+          </a:fillRef>
+          <a:effectRef idx="0">
+            <a:schemeClr val="accent1"/>
+          </a:effectRef>
+          <a:fontRef idx="minor">
+            <a:schemeClr val="lt1"/>
+          </a:fontRef>
+        </p:style>
+        <p:txBody>
+          <a:bodyPr rtlCol="0" anchor="ctr"/>
+          <a:lstStyle/>
+          <a:p>
+            <a:pPr algn="ctr"/>
+            <a:endParaRPr lang="en-US"/>
+          </a:p>
+        </p:txBody>
+      </p:sp>
+      <p:pic>
+        <p:nvPicPr>
+          <p:cNvPr id="5" name="Content Placeholder 4">
+            <a:extLst>
+              <a:ext uri="{FF2B5EF4-FFF2-40B4-BE49-F238E27FC236}">
+                <a16:creationId xmlns:a16="http://schemas.microsoft.com/office/drawing/2014/main" id="{FE685787-BA8F-0E51-E7FC-6A2245EADD06}"/>
+              </a:ext>
+            </a:extLst>
+          </p:cNvPr>
+          <p:cNvPicPr>
+            <a:picLocks noGrp="1" noChangeAspect="1"/>
+          </p:cNvPicPr>
           <p:nvPr>
             <p:ph idx="1"/>
           </p:nvPr>
-        </p:nvSpPr>
-        <p:spPr/>
-        <p:txBody>
-          <a:bodyPr/>
-          <a:lstStyle/>
-          <a:p>
-            <a:endParaRPr lang="en-US"/>
-          </a:p>
-        </p:txBody>
-      </p:sp>
+        </p:nvPicPr>
+        <p:blipFill>
+          <a:blip r:embed="rId2"/>
+          <a:stretch>
+            <a:fillRect/>
+          </a:stretch>
+        </p:blipFill>
+        <p:spPr>
+          <a:xfrm>
+            <a:off x="5922492" y="1538143"/>
+            <a:ext cx="5536001" cy="3722961"/>
+          </a:xfrm>
+          <a:prstGeom prst="rect">
+            <a:avLst/>
+          </a:prstGeom>
+        </p:spPr>
+      </p:pic>
+      <mc:AlternateContent xmlns:mc="http://schemas.openxmlformats.org/markup-compatibility/2006">
+        <mc:Choice xmlns:p14="http://schemas.microsoft.com/office/powerpoint/2010/main" Requires="p14">
+          <p:contentPart p14:bwMode="auto" r:id="rId3">
+            <p14:nvContentPartPr>
+              <p14:cNvPr id="6" name="Ink 5">
+                <a:extLst>
+                  <a:ext uri="{FF2B5EF4-FFF2-40B4-BE49-F238E27FC236}">
+                    <a16:creationId xmlns:a16="http://schemas.microsoft.com/office/drawing/2014/main" id="{CAF9F40B-C074-0727-C09E-5FAE66D3B6DA}"/>
+                  </a:ext>
+                </a:extLst>
+              </p14:cNvPr>
+              <p14:cNvContentPartPr/>
+              <p14:nvPr/>
+            </p14:nvContentPartPr>
+            <p14:xfrm>
+              <a:off x="6152004" y="1745233"/>
+              <a:ext cx="948960" cy="102240"/>
+            </p14:xfrm>
+          </p:contentPart>
+        </mc:Choice>
+        <mc:Fallback>
+          <p:pic>
+            <p:nvPicPr>
+              <p:cNvPr id="6" name="Ink 5">
+                <a:extLst>
+                  <a:ext uri="{FF2B5EF4-FFF2-40B4-BE49-F238E27FC236}">
+                    <a16:creationId xmlns:a16="http://schemas.microsoft.com/office/drawing/2014/main" id="{CAF9F40B-C074-0727-C09E-5FAE66D3B6DA}"/>
+                  </a:ext>
+                </a:extLst>
+              </p:cNvPr>
+              <p:cNvPicPr/>
+              <p:nvPr/>
+            </p:nvPicPr>
+            <p:blipFill>
+              <a:blip r:embed="rId4"/>
+              <a:stretch>
+                <a:fillRect/>
+              </a:stretch>
+            </p:blipFill>
+            <p:spPr>
+              <a:xfrm>
+                <a:off x="6145884" y="1739113"/>
+                <a:ext cx="961200" cy="114480"/>
+              </a:xfrm>
+              <a:prstGeom prst="rect">
+                <a:avLst/>
+              </a:prstGeom>
+            </p:spPr>
+          </p:pic>
+        </mc:Fallback>
+      </mc:AlternateContent>
+      <mc:AlternateContent xmlns:mc="http://schemas.openxmlformats.org/markup-compatibility/2006">
+        <mc:Choice xmlns:p14="http://schemas.microsoft.com/office/powerpoint/2010/main" Requires="p14">
+          <p:contentPart p14:bwMode="auto" r:id="rId5">
+            <p14:nvContentPartPr>
+              <p14:cNvPr id="7" name="Ink 6">
+                <a:extLst>
+                  <a:ext uri="{FF2B5EF4-FFF2-40B4-BE49-F238E27FC236}">
+                    <a16:creationId xmlns:a16="http://schemas.microsoft.com/office/drawing/2014/main" id="{83C0C730-FA91-4FC8-4B0E-FAF9471479D4}"/>
+                  </a:ext>
+                </a:extLst>
+              </p14:cNvPr>
+              <p14:cNvContentPartPr/>
+              <p14:nvPr/>
+            </p14:nvContentPartPr>
+            <p14:xfrm>
+              <a:off x="6049044" y="1727233"/>
+              <a:ext cx="1633680" cy="686880"/>
+            </p14:xfrm>
+          </p:contentPart>
+        </mc:Choice>
+        <mc:Fallback>
+          <p:pic>
+            <p:nvPicPr>
+              <p:cNvPr id="7" name="Ink 6">
+                <a:extLst>
+                  <a:ext uri="{FF2B5EF4-FFF2-40B4-BE49-F238E27FC236}">
+                    <a16:creationId xmlns:a16="http://schemas.microsoft.com/office/drawing/2014/main" id="{83C0C730-FA91-4FC8-4B0E-FAF9471479D4}"/>
+                  </a:ext>
+                </a:extLst>
+              </p:cNvPr>
+              <p:cNvPicPr/>
+              <p:nvPr/>
+            </p:nvPicPr>
+            <p:blipFill>
+              <a:blip r:embed="rId6"/>
+              <a:stretch>
+                <a:fillRect/>
+              </a:stretch>
+            </p:blipFill>
+            <p:spPr>
+              <a:xfrm>
+                <a:off x="5986404" y="1664233"/>
+                <a:ext cx="1759320" cy="812520"/>
+              </a:xfrm>
+              <a:prstGeom prst="rect">
+                <a:avLst/>
+              </a:prstGeom>
+            </p:spPr>
+          </p:pic>
+        </mc:Fallback>
+      </mc:AlternateContent>
     </p:spTree>
     <p:extLst>
       <p:ext uri="{BB962C8B-B14F-4D97-AF65-F5344CB8AC3E}">

--- a/Phase 2/NextGen Talent Management Suite Presentation 2.pptx
+++ b/Phase 2/NextGen Talent Management Suite Presentation 2.pptx
@@ -8,8 +8,8 @@
     <p:sldId id="256" r:id="rId2"/>
     <p:sldId id="257" r:id="rId3"/>
     <p:sldId id="264" r:id="rId4"/>
-    <p:sldId id="258" r:id="rId5"/>
-    <p:sldId id="259" r:id="rId6"/>
+    <p:sldId id="259" r:id="rId5"/>
+    <p:sldId id="258" r:id="rId6"/>
     <p:sldId id="260" r:id="rId7"/>
     <p:sldId id="261" r:id="rId8"/>
     <p:sldId id="262" r:id="rId9"/>
@@ -4869,234 +4869,6 @@
 </file>
 
 <file path=ppt/slides/slide4.xml><?xml version="1.0" encoding="utf-8"?>
-<p:sld xmlns:a="http://schemas.openxmlformats.org/drawingml/2006/main" xmlns:r="http://schemas.openxmlformats.org/officeDocument/2006/relationships" xmlns:p="http://schemas.openxmlformats.org/presentationml/2006/main">
-  <p:cSld>
-    <p:spTree>
-      <p:nvGrpSpPr>
-        <p:cNvPr id="1" name=""/>
-        <p:cNvGrpSpPr/>
-        <p:nvPr/>
-      </p:nvGrpSpPr>
-      <p:grpSpPr>
-        <a:xfrm>
-          <a:off x="0" y="0"/>
-          <a:ext cx="0" cy="0"/>
-          <a:chOff x="0" y="0"/>
-          <a:chExt cx="0" cy="0"/>
-        </a:xfrm>
-      </p:grpSpPr>
-      <p:sp useBgFill="1">
-        <p:nvSpPr>
-          <p:cNvPr id="12" name="Rectangle 11">
-            <a:extLst>
-              <a:ext uri="{FF2B5EF4-FFF2-40B4-BE49-F238E27FC236}">
-                <a16:creationId xmlns:a16="http://schemas.microsoft.com/office/drawing/2014/main" id="{C0A1ED06-4733-4020-9C60-81D4D801408D}"/>
-              </a:ext>
-              <a:ext uri="{C183D7F6-B498-43B3-948B-1728B52AA6E4}">
-                <adec:decorative xmlns:adec="http://schemas.microsoft.com/office/drawing/2017/decorative" val="1"/>
-              </a:ext>
-            </a:extLst>
-          </p:cNvPr>
-          <p:cNvSpPr>
-            <a:spLocks noGrp="1" noRot="1" noChangeAspect="1" noMove="1" noResize="1" noEditPoints="1" noAdjustHandles="1" noChangeArrowheads="1" noChangeShapeType="1" noTextEdit="1"/>
-          </p:cNvSpPr>
-          <p:nvPr>
-            <p:extLst>
-              <p:ext uri="{386F3935-93C4-4BCD-93E2-E3B085C9AB24}">
-                <p16:designElem xmlns:p16="http://schemas.microsoft.com/office/powerpoint/2015/main" val="1"/>
-              </p:ext>
-            </p:extLst>
-          </p:nvPr>
-        </p:nvSpPr>
-        <p:spPr>
-          <a:xfrm>
-            <a:off x="-1" y="0"/>
-            <a:ext cx="12188952" cy="6858000"/>
-          </a:xfrm>
-          <a:prstGeom prst="rect">
-            <a:avLst/>
-          </a:prstGeom>
-          <a:ln>
-            <a:noFill/>
-          </a:ln>
-        </p:spPr>
-        <p:style>
-          <a:lnRef idx="2">
-            <a:schemeClr val="accent1">
-              <a:shade val="50000"/>
-            </a:schemeClr>
-          </a:lnRef>
-          <a:fillRef idx="1">
-            <a:schemeClr val="accent1"/>
-          </a:fillRef>
-          <a:effectRef idx="0">
-            <a:schemeClr val="accent1"/>
-          </a:effectRef>
-          <a:fontRef idx="minor">
-            <a:schemeClr val="lt1"/>
-          </a:fontRef>
-        </p:style>
-        <p:txBody>
-          <a:bodyPr rtlCol="0" anchor="ctr"/>
-          <a:lstStyle/>
-          <a:p>
-            <a:pPr algn="ctr"/>
-            <a:endParaRPr lang="en-US"/>
-          </a:p>
-        </p:txBody>
-      </p:sp>
-      <p:sp>
-        <p:nvSpPr>
-          <p:cNvPr id="14" name="Rectangle 13">
-            <a:extLst>
-              <a:ext uri="{FF2B5EF4-FFF2-40B4-BE49-F238E27FC236}">
-                <a16:creationId xmlns:a16="http://schemas.microsoft.com/office/drawing/2014/main" id="{B0CA3509-3AF9-45FE-93ED-57BB5D5E8E07}"/>
-              </a:ext>
-              <a:ext uri="{C183D7F6-B498-43B3-948B-1728B52AA6E4}">
-                <adec:decorative xmlns:adec="http://schemas.microsoft.com/office/drawing/2017/decorative" val="1"/>
-              </a:ext>
-            </a:extLst>
-          </p:cNvPr>
-          <p:cNvSpPr>
-            <a:spLocks noGrp="1" noRot="1" noChangeAspect="1" noMove="1" noResize="1" noEditPoints="1" noAdjustHandles="1" noChangeArrowheads="1" noChangeShapeType="1" noTextEdit="1"/>
-          </p:cNvSpPr>
-          <p:nvPr>
-            <p:extLst>
-              <p:ext uri="{386F3935-93C4-4BCD-93E2-E3B085C9AB24}">
-                <p16:designElem xmlns:p16="http://schemas.microsoft.com/office/powerpoint/2015/main" val="1"/>
-              </p:ext>
-            </p:extLst>
-          </p:nvPr>
-        </p:nvSpPr>
-        <p:spPr>
-          <a:xfrm>
-            <a:off x="187388" y="181576"/>
-            <a:ext cx="11823637" cy="6501088"/>
-          </a:xfrm>
-          <a:prstGeom prst="rect">
-            <a:avLst/>
-          </a:prstGeom>
-          <a:solidFill>
-            <a:srgbClr val="000000"/>
-          </a:solidFill>
-          <a:ln>
-            <a:noFill/>
-          </a:ln>
-        </p:spPr>
-        <p:style>
-          <a:lnRef idx="2">
-            <a:schemeClr val="accent1">
-              <a:shade val="50000"/>
-            </a:schemeClr>
-          </a:lnRef>
-          <a:fillRef idx="1">
-            <a:schemeClr val="accent1"/>
-          </a:fillRef>
-          <a:effectRef idx="0">
-            <a:schemeClr val="accent1"/>
-          </a:effectRef>
-          <a:fontRef idx="minor">
-            <a:schemeClr val="lt1"/>
-          </a:fontRef>
-        </p:style>
-        <p:txBody>
-          <a:bodyPr rtlCol="0" anchor="ctr"/>
-          <a:lstStyle/>
-          <a:p>
-            <a:pPr algn="ctr"/>
-            <a:endParaRPr lang="en-US"/>
-          </a:p>
-        </p:txBody>
-      </p:sp>
-      <p:pic>
-        <p:nvPicPr>
-          <p:cNvPr id="5" name="Content Placeholder 4" descr="A screenshot of a computer&#10;&#10;Description automatically generated">
-            <a:extLst>
-              <a:ext uri="{FF2B5EF4-FFF2-40B4-BE49-F238E27FC236}">
-                <a16:creationId xmlns:a16="http://schemas.microsoft.com/office/drawing/2014/main" id="{763EE2F5-DA30-E760-9878-390063DC271D}"/>
-              </a:ext>
-            </a:extLst>
-          </p:cNvPr>
-          <p:cNvPicPr>
-            <a:picLocks noChangeAspect="1"/>
-          </p:cNvPicPr>
-          <p:nvPr/>
-        </p:nvPicPr>
-        <p:blipFill rotWithShape="1">
-          <a:blip r:embed="rId2">
-            <a:alphaModFix/>
-            <a:extLst>
-              <a:ext uri="{28A0092B-C50C-407E-A947-70E740481C1C}">
-                <a14:useLocalDpi xmlns:a14="http://schemas.microsoft.com/office/drawing/2010/main" val="0"/>
-              </a:ext>
-            </a:extLst>
-          </a:blip>
-          <a:srcRect t="-2237" b="-966"/>
-          <a:stretch/>
-        </p:blipFill>
-        <p:spPr>
-          <a:xfrm>
-            <a:off x="187388" y="73891"/>
-            <a:ext cx="11817224" cy="6677891"/>
-          </a:xfrm>
-          <a:prstGeom prst="rect">
-            <a:avLst/>
-          </a:prstGeom>
-        </p:spPr>
-      </p:pic>
-      <p:sp>
-        <p:nvSpPr>
-          <p:cNvPr id="2" name="Title 1">
-            <a:extLst>
-              <a:ext uri="{FF2B5EF4-FFF2-40B4-BE49-F238E27FC236}">
-                <a16:creationId xmlns:a16="http://schemas.microsoft.com/office/drawing/2014/main" id="{73D21FD0-A7F4-8943-AFE8-8BF5FF5D5E03}"/>
-              </a:ext>
-            </a:extLst>
-          </p:cNvPr>
-          <p:cNvSpPr>
-            <a:spLocks noGrp="1"/>
-          </p:cNvSpPr>
-          <p:nvPr>
-            <p:ph type="title"/>
-          </p:nvPr>
-        </p:nvSpPr>
-        <p:spPr>
-          <a:xfrm>
-            <a:off x="5973618" y="277090"/>
-            <a:ext cx="5924246" cy="745519"/>
-          </a:xfrm>
-        </p:spPr>
-        <p:txBody>
-          <a:bodyPr anchor="b">
-            <a:normAutofit/>
-          </a:bodyPr>
-          <a:lstStyle/>
-          <a:p>
-            <a:r>
-              <a:rPr lang="en-US" sz="4000" dirty="0">
-                <a:solidFill>
-                  <a:srgbClr val="FFFFFF"/>
-                </a:solidFill>
-              </a:rPr>
-              <a:t>Work Breakdown Structure</a:t>
-            </a:r>
-          </a:p>
-        </p:txBody>
-      </p:sp>
-    </p:spTree>
-    <p:extLst>
-      <p:ext uri="{BB962C8B-B14F-4D97-AF65-F5344CB8AC3E}">
-        <p14:creationId xmlns:p14="http://schemas.microsoft.com/office/powerpoint/2010/main" val="3158225583"/>
-      </p:ext>
-    </p:extLst>
-  </p:cSld>
-  <p:clrMapOvr>
-    <a:masterClrMapping/>
-  </p:clrMapOvr>
-</p:sld>
-</file>
-
-<file path=ppt/slides/slide5.xml><?xml version="1.0" encoding="utf-8"?>
 <p:sld xmlns:a="http://schemas.openxmlformats.org/drawingml/2006/main" xmlns:r="http://schemas.openxmlformats.org/officeDocument/2006/relationships" xmlns:p="http://schemas.openxmlformats.org/presentationml/2006/main">
   <p:cSld>
     <p:spTree>
@@ -6147,6 +5919,234 @@
 </p:sld>
 </file>
 
+<file path=ppt/slides/slide5.xml><?xml version="1.0" encoding="utf-8"?>
+<p:sld xmlns:a="http://schemas.openxmlformats.org/drawingml/2006/main" xmlns:r="http://schemas.openxmlformats.org/officeDocument/2006/relationships" xmlns:p="http://schemas.openxmlformats.org/presentationml/2006/main">
+  <p:cSld>
+    <p:spTree>
+      <p:nvGrpSpPr>
+        <p:cNvPr id="1" name=""/>
+        <p:cNvGrpSpPr/>
+        <p:nvPr/>
+      </p:nvGrpSpPr>
+      <p:grpSpPr>
+        <a:xfrm>
+          <a:off x="0" y="0"/>
+          <a:ext cx="0" cy="0"/>
+          <a:chOff x="0" y="0"/>
+          <a:chExt cx="0" cy="0"/>
+        </a:xfrm>
+      </p:grpSpPr>
+      <p:sp useBgFill="1">
+        <p:nvSpPr>
+          <p:cNvPr id="12" name="Rectangle 11">
+            <a:extLst>
+              <a:ext uri="{FF2B5EF4-FFF2-40B4-BE49-F238E27FC236}">
+                <a16:creationId xmlns:a16="http://schemas.microsoft.com/office/drawing/2014/main" id="{C0A1ED06-4733-4020-9C60-81D4D801408D}"/>
+              </a:ext>
+              <a:ext uri="{C183D7F6-B498-43B3-948B-1728B52AA6E4}">
+                <adec:decorative xmlns:adec="http://schemas.microsoft.com/office/drawing/2017/decorative" val="1"/>
+              </a:ext>
+            </a:extLst>
+          </p:cNvPr>
+          <p:cNvSpPr>
+            <a:spLocks noGrp="1" noRot="1" noChangeAspect="1" noMove="1" noResize="1" noEditPoints="1" noAdjustHandles="1" noChangeArrowheads="1" noChangeShapeType="1" noTextEdit="1"/>
+          </p:cNvSpPr>
+          <p:nvPr>
+            <p:extLst>
+              <p:ext uri="{386F3935-93C4-4BCD-93E2-E3B085C9AB24}">
+                <p16:designElem xmlns:p16="http://schemas.microsoft.com/office/powerpoint/2015/main" val="1"/>
+              </p:ext>
+            </p:extLst>
+          </p:nvPr>
+        </p:nvSpPr>
+        <p:spPr>
+          <a:xfrm>
+            <a:off x="-1" y="0"/>
+            <a:ext cx="12188952" cy="6858000"/>
+          </a:xfrm>
+          <a:prstGeom prst="rect">
+            <a:avLst/>
+          </a:prstGeom>
+          <a:ln>
+            <a:noFill/>
+          </a:ln>
+        </p:spPr>
+        <p:style>
+          <a:lnRef idx="2">
+            <a:schemeClr val="accent1">
+              <a:shade val="50000"/>
+            </a:schemeClr>
+          </a:lnRef>
+          <a:fillRef idx="1">
+            <a:schemeClr val="accent1"/>
+          </a:fillRef>
+          <a:effectRef idx="0">
+            <a:schemeClr val="accent1"/>
+          </a:effectRef>
+          <a:fontRef idx="minor">
+            <a:schemeClr val="lt1"/>
+          </a:fontRef>
+        </p:style>
+        <p:txBody>
+          <a:bodyPr rtlCol="0" anchor="ctr"/>
+          <a:lstStyle/>
+          <a:p>
+            <a:pPr algn="ctr"/>
+            <a:endParaRPr lang="en-US"/>
+          </a:p>
+        </p:txBody>
+      </p:sp>
+      <p:sp>
+        <p:nvSpPr>
+          <p:cNvPr id="14" name="Rectangle 13">
+            <a:extLst>
+              <a:ext uri="{FF2B5EF4-FFF2-40B4-BE49-F238E27FC236}">
+                <a16:creationId xmlns:a16="http://schemas.microsoft.com/office/drawing/2014/main" id="{B0CA3509-3AF9-45FE-93ED-57BB5D5E8E07}"/>
+              </a:ext>
+              <a:ext uri="{C183D7F6-B498-43B3-948B-1728B52AA6E4}">
+                <adec:decorative xmlns:adec="http://schemas.microsoft.com/office/drawing/2017/decorative" val="1"/>
+              </a:ext>
+            </a:extLst>
+          </p:cNvPr>
+          <p:cNvSpPr>
+            <a:spLocks noGrp="1" noRot="1" noChangeAspect="1" noMove="1" noResize="1" noEditPoints="1" noAdjustHandles="1" noChangeArrowheads="1" noChangeShapeType="1" noTextEdit="1"/>
+          </p:cNvSpPr>
+          <p:nvPr>
+            <p:extLst>
+              <p:ext uri="{386F3935-93C4-4BCD-93E2-E3B085C9AB24}">
+                <p16:designElem xmlns:p16="http://schemas.microsoft.com/office/powerpoint/2015/main" val="1"/>
+              </p:ext>
+            </p:extLst>
+          </p:nvPr>
+        </p:nvSpPr>
+        <p:spPr>
+          <a:xfrm>
+            <a:off x="187388" y="181576"/>
+            <a:ext cx="11823637" cy="6501088"/>
+          </a:xfrm>
+          <a:prstGeom prst="rect">
+            <a:avLst/>
+          </a:prstGeom>
+          <a:solidFill>
+            <a:srgbClr val="000000"/>
+          </a:solidFill>
+          <a:ln>
+            <a:noFill/>
+          </a:ln>
+        </p:spPr>
+        <p:style>
+          <a:lnRef idx="2">
+            <a:schemeClr val="accent1">
+              <a:shade val="50000"/>
+            </a:schemeClr>
+          </a:lnRef>
+          <a:fillRef idx="1">
+            <a:schemeClr val="accent1"/>
+          </a:fillRef>
+          <a:effectRef idx="0">
+            <a:schemeClr val="accent1"/>
+          </a:effectRef>
+          <a:fontRef idx="minor">
+            <a:schemeClr val="lt1"/>
+          </a:fontRef>
+        </p:style>
+        <p:txBody>
+          <a:bodyPr rtlCol="0" anchor="ctr"/>
+          <a:lstStyle/>
+          <a:p>
+            <a:pPr algn="ctr"/>
+            <a:endParaRPr lang="en-US"/>
+          </a:p>
+        </p:txBody>
+      </p:sp>
+      <p:pic>
+        <p:nvPicPr>
+          <p:cNvPr id="5" name="Content Placeholder 4" descr="A screenshot of a computer&#10;&#10;Description automatically generated">
+            <a:extLst>
+              <a:ext uri="{FF2B5EF4-FFF2-40B4-BE49-F238E27FC236}">
+                <a16:creationId xmlns:a16="http://schemas.microsoft.com/office/drawing/2014/main" id="{763EE2F5-DA30-E760-9878-390063DC271D}"/>
+              </a:ext>
+            </a:extLst>
+          </p:cNvPr>
+          <p:cNvPicPr>
+            <a:picLocks noChangeAspect="1"/>
+          </p:cNvPicPr>
+          <p:nvPr/>
+        </p:nvPicPr>
+        <p:blipFill rotWithShape="1">
+          <a:blip r:embed="rId2">
+            <a:alphaModFix/>
+            <a:extLst>
+              <a:ext uri="{28A0092B-C50C-407E-A947-70E740481C1C}">
+                <a14:useLocalDpi xmlns:a14="http://schemas.microsoft.com/office/drawing/2010/main" val="0"/>
+              </a:ext>
+            </a:extLst>
+          </a:blip>
+          <a:srcRect t="-2237" b="-966"/>
+          <a:stretch/>
+        </p:blipFill>
+        <p:spPr>
+          <a:xfrm>
+            <a:off x="187388" y="73891"/>
+            <a:ext cx="11817224" cy="6677891"/>
+          </a:xfrm>
+          <a:prstGeom prst="rect">
+            <a:avLst/>
+          </a:prstGeom>
+        </p:spPr>
+      </p:pic>
+      <p:sp>
+        <p:nvSpPr>
+          <p:cNvPr id="2" name="Title 1">
+            <a:extLst>
+              <a:ext uri="{FF2B5EF4-FFF2-40B4-BE49-F238E27FC236}">
+                <a16:creationId xmlns:a16="http://schemas.microsoft.com/office/drawing/2014/main" id="{73D21FD0-A7F4-8943-AFE8-8BF5FF5D5E03}"/>
+              </a:ext>
+            </a:extLst>
+          </p:cNvPr>
+          <p:cNvSpPr>
+            <a:spLocks noGrp="1"/>
+          </p:cNvSpPr>
+          <p:nvPr>
+            <p:ph type="title"/>
+          </p:nvPr>
+        </p:nvSpPr>
+        <p:spPr>
+          <a:xfrm>
+            <a:off x="5973618" y="277090"/>
+            <a:ext cx="5924246" cy="745519"/>
+          </a:xfrm>
+        </p:spPr>
+        <p:txBody>
+          <a:bodyPr anchor="b">
+            <a:normAutofit/>
+          </a:bodyPr>
+          <a:lstStyle/>
+          <a:p>
+            <a:r>
+              <a:rPr lang="en-US" sz="4000" dirty="0">
+                <a:solidFill>
+                  <a:srgbClr val="FFFFFF"/>
+                </a:solidFill>
+              </a:rPr>
+              <a:t>Work Breakdown Structure</a:t>
+            </a:r>
+          </a:p>
+        </p:txBody>
+      </p:sp>
+    </p:spTree>
+    <p:extLst>
+      <p:ext uri="{BB962C8B-B14F-4D97-AF65-F5344CB8AC3E}">
+        <p14:creationId xmlns:p14="http://schemas.microsoft.com/office/powerpoint/2010/main" val="3158225583"/>
+      </p:ext>
+    </p:extLst>
+  </p:cSld>
+  <p:clrMapOvr>
+    <a:masterClrMapping/>
+  </p:clrMapOvr>
+</p:sld>
+</file>
+
 <file path=ppt/slides/slide6.xml><?xml version="1.0" encoding="utf-8"?>
 <p:sld xmlns:a="http://schemas.openxmlformats.org/drawingml/2006/main" xmlns:r="http://schemas.openxmlformats.org/officeDocument/2006/relationships" xmlns:p="http://schemas.openxmlformats.org/presentationml/2006/main">
   <p:cSld>
@@ -6906,8 +6906,8 @@
           </a:prstGeom>
         </p:spPr>
       </p:pic>
-      <mc:AlternateContent xmlns:mc="http://schemas.openxmlformats.org/markup-compatibility/2006">
-        <mc:Choice xmlns:p14="http://schemas.microsoft.com/office/powerpoint/2010/main" Requires="p14">
+      <mc:AlternateContent xmlns:mc="http://schemas.openxmlformats.org/markup-compatibility/2006" xmlns:p14="http://schemas.microsoft.com/office/powerpoint/2010/main">
+        <mc:Choice Requires="p14">
           <p:contentPart p14:bwMode="auto" r:id="rId3">
             <p14:nvContentPartPr>
               <p14:cNvPr id="6" name="Ink 5">
@@ -6926,7 +6926,7 @@
             </p14:xfrm>
           </p:contentPart>
         </mc:Choice>
-        <mc:Fallback>
+        <mc:Fallback xmlns="">
           <p:pic>
             <p:nvPicPr>
               <p:cNvPr id="6" name="Ink 5">
@@ -6957,8 +6957,8 @@
           </p:pic>
         </mc:Fallback>
       </mc:AlternateContent>
-      <mc:AlternateContent xmlns:mc="http://schemas.openxmlformats.org/markup-compatibility/2006">
-        <mc:Choice xmlns:p14="http://schemas.microsoft.com/office/powerpoint/2010/main" Requires="p14">
+      <mc:AlternateContent xmlns:mc="http://schemas.openxmlformats.org/markup-compatibility/2006" xmlns:p14="http://schemas.microsoft.com/office/powerpoint/2010/main">
+        <mc:Choice Requires="p14">
           <p:contentPart p14:bwMode="auto" r:id="rId5">
             <p14:nvContentPartPr>
               <p14:cNvPr id="7" name="Ink 6">
@@ -6977,7 +6977,7 @@
             </p14:xfrm>
           </p:contentPart>
         </mc:Choice>
-        <mc:Fallback>
+        <mc:Fallback xmlns="">
           <p:pic>
             <p:nvPicPr>
               <p:cNvPr id="7" name="Ink 6">

--- a/Phase 2/NextGen Talent Management Suite Presentation 2.pptx
+++ b/Phase 2/NextGen Talent Management Suite Presentation 2.pptx
@@ -323,7 +323,7 @@
           <a:p>
             <a:fld id="{31D6629C-0E4E-4DA5-B448-73AE5E5F5EC6}" type="datetimeFigureOut">
               <a:rPr lang="en-US" smtClean="0"/>
-              <a:t>4/23/2024</a:t>
+              <a:t>4/24/2024</a:t>
             </a:fld>
             <a:endParaRPr lang="en-US"/>
           </a:p>
@@ -521,7 +521,7 @@
           <a:p>
             <a:fld id="{31D6629C-0E4E-4DA5-B448-73AE5E5F5EC6}" type="datetimeFigureOut">
               <a:rPr lang="en-US" smtClean="0"/>
-              <a:t>4/23/2024</a:t>
+              <a:t>4/24/2024</a:t>
             </a:fld>
             <a:endParaRPr lang="en-US"/>
           </a:p>
@@ -729,7 +729,7 @@
           <a:p>
             <a:fld id="{31D6629C-0E4E-4DA5-B448-73AE5E5F5EC6}" type="datetimeFigureOut">
               <a:rPr lang="en-US" smtClean="0"/>
-              <a:t>4/23/2024</a:t>
+              <a:t>4/24/2024</a:t>
             </a:fld>
             <a:endParaRPr lang="en-US"/>
           </a:p>
@@ -927,7 +927,7 @@
           <a:p>
             <a:fld id="{31D6629C-0E4E-4DA5-B448-73AE5E5F5EC6}" type="datetimeFigureOut">
               <a:rPr lang="en-US" smtClean="0"/>
-              <a:t>4/23/2024</a:t>
+              <a:t>4/24/2024</a:t>
             </a:fld>
             <a:endParaRPr lang="en-US"/>
           </a:p>
@@ -1202,7 +1202,7 @@
           <a:p>
             <a:fld id="{31D6629C-0E4E-4DA5-B448-73AE5E5F5EC6}" type="datetimeFigureOut">
               <a:rPr lang="en-US" smtClean="0"/>
-              <a:t>4/23/2024</a:t>
+              <a:t>4/24/2024</a:t>
             </a:fld>
             <a:endParaRPr lang="en-US"/>
           </a:p>
@@ -1467,7 +1467,7 @@
           <a:p>
             <a:fld id="{31D6629C-0E4E-4DA5-B448-73AE5E5F5EC6}" type="datetimeFigureOut">
               <a:rPr lang="en-US" smtClean="0"/>
-              <a:t>4/23/2024</a:t>
+              <a:t>4/24/2024</a:t>
             </a:fld>
             <a:endParaRPr lang="en-US"/>
           </a:p>
@@ -1879,7 +1879,7 @@
           <a:p>
             <a:fld id="{31D6629C-0E4E-4DA5-B448-73AE5E5F5EC6}" type="datetimeFigureOut">
               <a:rPr lang="en-US" smtClean="0"/>
-              <a:t>4/23/2024</a:t>
+              <a:t>4/24/2024</a:t>
             </a:fld>
             <a:endParaRPr lang="en-US"/>
           </a:p>
@@ -2020,7 +2020,7 @@
           <a:p>
             <a:fld id="{31D6629C-0E4E-4DA5-B448-73AE5E5F5EC6}" type="datetimeFigureOut">
               <a:rPr lang="en-US" smtClean="0"/>
-              <a:t>4/23/2024</a:t>
+              <a:t>4/24/2024</a:t>
             </a:fld>
             <a:endParaRPr lang="en-US"/>
           </a:p>
@@ -2133,7 +2133,7 @@
           <a:p>
             <a:fld id="{31D6629C-0E4E-4DA5-B448-73AE5E5F5EC6}" type="datetimeFigureOut">
               <a:rPr lang="en-US" smtClean="0"/>
-              <a:t>4/23/2024</a:t>
+              <a:t>4/24/2024</a:t>
             </a:fld>
             <a:endParaRPr lang="en-US"/>
           </a:p>
@@ -2444,7 +2444,7 @@
           <a:p>
             <a:fld id="{31D6629C-0E4E-4DA5-B448-73AE5E5F5EC6}" type="datetimeFigureOut">
               <a:rPr lang="en-US" smtClean="0"/>
-              <a:t>4/23/2024</a:t>
+              <a:t>4/24/2024</a:t>
             </a:fld>
             <a:endParaRPr lang="en-US"/>
           </a:p>
@@ -2732,7 +2732,7 @@
           <a:p>
             <a:fld id="{31D6629C-0E4E-4DA5-B448-73AE5E5F5EC6}" type="datetimeFigureOut">
               <a:rPr lang="en-US" smtClean="0"/>
-              <a:t>4/23/2024</a:t>
+              <a:t>4/24/2024</a:t>
             </a:fld>
             <a:endParaRPr lang="en-US"/>
           </a:p>
@@ -2973,7 +2973,7 @@
           <a:p>
             <a:fld id="{31D6629C-0E4E-4DA5-B448-73AE5E5F5EC6}" type="datetimeFigureOut">
               <a:rPr lang="en-US" smtClean="0"/>
-              <a:t>4/23/2024</a:t>
+              <a:t>4/24/2024</a:t>
             </a:fld>
             <a:endParaRPr lang="en-US"/>
           </a:p>
@@ -3912,7 +3912,7 @@
           <a:lstStyle/>
           <a:p>
             <a:r>
-              <a:rPr lang="en-US" sz="2400"/>
+              <a:rPr lang="en-US" sz="2400" dirty="0"/>
               <a:t>Description: This project saw the development of a comprehensive application allowing managers and supervisors in any organization to manage their employees effectively and with ease.</a:t>
             </a:r>
           </a:p>
